--- a/MedicalCPS2016.pptx
+++ b/MedicalCPS2016.pptx
@@ -3805,8 +3805,11 @@
                 <a:latin typeface="Lato Regular"/>
                 <a:cs typeface="Lato Regular"/>
               </a:rPr>
-              <a:t> </a:t>
-            </a:r>
+              <a:t> International Workshop on </a:t>
+            </a:r>
+          </a:p>
+          <a:p>
+            <a:pPr lvl="0" algn="ctr"/>
             <a:r>
               <a:rPr lang="en-US" sz="2400" b="1" spc="50" dirty="0" smtClean="0">
                 <a:ln w="13500">
@@ -3833,93 +3836,12 @@
                 <a:latin typeface="Lato Regular"/>
                 <a:cs typeface="Lato Regular"/>
               </a:rPr>
-              <a:t>International </a:t>
-            </a:r>
-            <a:r>
-              <a:rPr lang="en-US" sz="2400" b="1" spc="50" dirty="0" smtClean="0">
-                <a:ln w="13500">
-                  <a:solidFill>
-                    <a:schemeClr val="accent1">
-                      <a:shade val="2500"/>
-                      <a:alpha val="6500"/>
-                    </a:schemeClr>
-                  </a:solidFill>
-                  <a:prstDash val="solid"/>
-                </a:ln>
-                <a:solidFill>
-                  <a:srgbClr val="083869">
-                    <a:alpha val="95000"/>
-                  </a:srgbClr>
-                </a:solidFill>
-                <a:effectLst>
-                  <a:innerShdw blurRad="50900" dist="38500" dir="13500000">
-                    <a:srgbClr val="000000">
-                      <a:alpha val="60000"/>
-                    </a:srgbClr>
-                  </a:innerShdw>
-                </a:effectLst>
-                <a:latin typeface="Lato Regular"/>
-                <a:cs typeface="Lato Regular"/>
-              </a:rPr>
-              <a:t>Workshop</a:t>
-            </a:r>
-            <a:r>
-              <a:rPr lang="en-US" sz="2400" b="1" spc="50" dirty="0" smtClean="0">
-                <a:ln w="13500">
-                  <a:solidFill>
-                    <a:schemeClr val="accent1">
-                      <a:shade val="2500"/>
-                      <a:alpha val="6500"/>
-                    </a:schemeClr>
-                  </a:solidFill>
-                  <a:prstDash val="solid"/>
-                </a:ln>
-                <a:solidFill>
-                  <a:srgbClr val="083869">
-                    <a:alpha val="95000"/>
-                  </a:srgbClr>
-                </a:solidFill>
-                <a:effectLst>
-                  <a:innerShdw blurRad="50900" dist="38500" dir="13500000">
-                    <a:srgbClr val="000000">
-                      <a:alpha val="60000"/>
-                    </a:srgbClr>
-                  </a:innerShdw>
-                </a:effectLst>
-                <a:latin typeface="Lato Regular"/>
-                <a:cs typeface="Lato Regular"/>
-              </a:rPr>
-              <a:t> </a:t>
-            </a:r>
-            <a:r>
-              <a:rPr lang="en-US" sz="2400" b="1" spc="50" dirty="0" smtClean="0">
-                <a:ln w="13500">
-                  <a:solidFill>
-                    <a:schemeClr val="accent1">
-                      <a:shade val="2500"/>
-                      <a:alpha val="6500"/>
-                    </a:schemeClr>
-                  </a:solidFill>
-                  <a:prstDash val="solid"/>
-                </a:ln>
-                <a:solidFill>
-                  <a:srgbClr val="083869">
-                    <a:alpha val="95000"/>
-                  </a:srgbClr>
-                </a:solidFill>
-                <a:effectLst>
-                  <a:innerShdw blurRad="50900" dist="38500" dir="13500000">
-                    <a:srgbClr val="000000">
-                      <a:alpha val="60000"/>
-                    </a:srgbClr>
-                  </a:innerShdw>
-                </a:effectLst>
-                <a:latin typeface="Lato Regular"/>
-                <a:cs typeface="Lato Regular"/>
-              </a:rPr>
-              <a:t>on </a:t>
-            </a:r>
-            <a:endParaRPr lang="en-US" sz="2400" b="1" spc="50" dirty="0" smtClean="0">
+              <a:t>Medical Cyber-Physical Systems</a:t>
+            </a:r>
+          </a:p>
+          <a:p>
+            <a:pPr lvl="0" algn="ctr"/>
+            <a:endParaRPr lang="en-US" sz="500" b="1" spc="50" dirty="0" smtClean="0">
               <a:ln w="13500">
                 <a:solidFill>
                   <a:schemeClr val="accent1">
@@ -3948,7 +3870,7 @@
           <a:p>
             <a:pPr lvl="0" algn="ctr"/>
             <a:r>
-              <a:rPr lang="en-US" sz="2400" b="1" spc="50" dirty="0" smtClean="0">
+              <a:rPr lang="en-US" sz="1400" b="1" spc="50" dirty="0" smtClean="0">
                 <a:ln w="13500">
                   <a:solidFill>
                     <a:schemeClr val="accent1">
@@ -3973,12 +3895,12 @@
                 <a:latin typeface="Lato Regular"/>
                 <a:cs typeface="Lato Regular"/>
               </a:rPr>
-              <a:t>Medical Cyber-Physical Systems</a:t>
+              <a:t>Medical Device Interoperability, Safety, and Security Assurance</a:t>
             </a:r>
           </a:p>
           <a:p>
             <a:pPr lvl="0" algn="ctr"/>
-            <a:endParaRPr lang="en-US" sz="500" b="1" spc="50" dirty="0" smtClean="0">
+            <a:endParaRPr lang="en-US" sz="600" b="1" spc="50" dirty="0">
               <a:ln w="13500">
                 <a:solidFill>
                   <a:schemeClr val="accent1">
@@ -4007,65 +3929,6 @@
           <a:p>
             <a:pPr lvl="0" algn="ctr"/>
             <a:r>
-              <a:rPr lang="en-US" sz="1400" b="1" spc="50" dirty="0" smtClean="0">
-                <a:ln w="13500">
-                  <a:solidFill>
-                    <a:schemeClr val="accent1">
-                      <a:shade val="2500"/>
-                      <a:alpha val="6500"/>
-                    </a:schemeClr>
-                  </a:solidFill>
-                  <a:prstDash val="solid"/>
-                </a:ln>
-                <a:solidFill>
-                  <a:srgbClr val="083869">
-                    <a:alpha val="95000"/>
-                  </a:srgbClr>
-                </a:solidFill>
-                <a:effectLst>
-                  <a:innerShdw blurRad="50900" dist="38500" dir="13500000">
-                    <a:srgbClr val="000000">
-                      <a:alpha val="60000"/>
-                    </a:srgbClr>
-                  </a:innerShdw>
-                </a:effectLst>
-                <a:latin typeface="Lato Regular"/>
-                <a:cs typeface="Lato Regular"/>
-              </a:rPr>
-              <a:t>Medical Device Interoperability, Safety, and Security Assurance</a:t>
-            </a:r>
-          </a:p>
-          <a:p>
-            <a:pPr lvl="0" algn="ctr"/>
-            <a:endParaRPr lang="en-US" sz="600" b="1" spc="50" dirty="0">
-              <a:ln w="13500">
-                <a:solidFill>
-                  <a:schemeClr val="accent1">
-                    <a:shade val="2500"/>
-                    <a:alpha val="6500"/>
-                  </a:schemeClr>
-                </a:solidFill>
-                <a:prstDash val="solid"/>
-              </a:ln>
-              <a:solidFill>
-                <a:srgbClr val="083869">
-                  <a:alpha val="95000"/>
-                </a:srgbClr>
-              </a:solidFill>
-              <a:effectLst>
-                <a:innerShdw blurRad="50900" dist="38500" dir="13500000">
-                  <a:srgbClr val="000000">
-                    <a:alpha val="60000"/>
-                  </a:srgbClr>
-                </a:innerShdw>
-              </a:effectLst>
-              <a:latin typeface="Lato Regular"/>
-              <a:cs typeface="Lato Regular"/>
-            </a:endParaRPr>
-          </a:p>
-          <a:p>
-            <a:pPr lvl="0" algn="ctr"/>
-            <a:r>
               <a:rPr lang="en-US" sz="1400" spc="50" dirty="0" smtClean="0">
                 <a:ln w="13500">
                   <a:solidFill>
@@ -4092,150 +3955,8 @@
                 <a:latin typeface="Lato Regular"/>
                 <a:cs typeface="Lato Regular"/>
               </a:rPr>
-              <a:t>April</a:t>
-            </a:r>
-            <a:r>
-              <a:rPr lang="en-US" sz="1400" spc="50" dirty="0" smtClean="0">
-                <a:ln w="13500">
-                  <a:solidFill>
-                    <a:schemeClr val="accent1">
-                      <a:shade val="2500"/>
-                      <a:alpha val="6500"/>
-                    </a:schemeClr>
-                  </a:solidFill>
-                  <a:prstDash val="solid"/>
-                </a:ln>
-                <a:solidFill>
-                  <a:schemeClr val="tx1">
-                    <a:lumMod val="50000"/>
-                    <a:lumOff val="50000"/>
-                  </a:schemeClr>
-                </a:solidFill>
-                <a:effectLst>
-                  <a:innerShdw blurRad="50900" dist="38500" dir="13500000">
-                    <a:srgbClr val="000000">
-                      <a:alpha val="60000"/>
-                    </a:srgbClr>
-                  </a:innerShdw>
-                </a:effectLst>
-                <a:latin typeface="Lato Regular"/>
-                <a:cs typeface="Lato Regular"/>
-              </a:rPr>
-              <a:t> </a:t>
-            </a:r>
-            <a:r>
-              <a:rPr lang="en-US" sz="1400" spc="50" dirty="0" smtClean="0">
-                <a:ln w="13500">
-                  <a:solidFill>
-                    <a:schemeClr val="accent1">
-                      <a:shade val="2500"/>
-                      <a:alpha val="6500"/>
-                    </a:schemeClr>
-                  </a:solidFill>
-                  <a:prstDash val="solid"/>
-                </a:ln>
-                <a:solidFill>
-                  <a:schemeClr val="tx1">
-                    <a:lumMod val="50000"/>
-                    <a:lumOff val="50000"/>
-                  </a:schemeClr>
-                </a:solidFill>
-                <a:effectLst>
-                  <a:innerShdw blurRad="50900" dist="38500" dir="13500000">
-                    <a:srgbClr val="000000">
-                      <a:alpha val="60000"/>
-                    </a:srgbClr>
-                  </a:innerShdw>
-                </a:effectLst>
-                <a:latin typeface="Lato Regular"/>
-                <a:cs typeface="Lato Regular"/>
-              </a:rPr>
-              <a:t>11th</a:t>
-            </a:r>
-            <a:r>
-              <a:rPr lang="en-US" sz="1400" spc="50" dirty="0" smtClean="0">
-                <a:ln w="13500">
-                  <a:solidFill>
-                    <a:schemeClr val="accent1">
-                      <a:shade val="2500"/>
-                      <a:alpha val="6500"/>
-                    </a:schemeClr>
-                  </a:solidFill>
-                  <a:prstDash val="solid"/>
-                </a:ln>
-                <a:solidFill>
-                  <a:schemeClr val="tx1">
-                    <a:lumMod val="50000"/>
-                    <a:lumOff val="50000"/>
-                  </a:schemeClr>
-                </a:solidFill>
-                <a:effectLst>
-                  <a:innerShdw blurRad="50900" dist="38500" dir="13500000">
-                    <a:srgbClr val="000000">
-                      <a:alpha val="60000"/>
-                    </a:srgbClr>
-                  </a:innerShdw>
-                </a:effectLst>
-                <a:latin typeface="Lato Regular"/>
-                <a:cs typeface="Lato Regular"/>
-              </a:rPr>
-              <a:t>, 2016 - </a:t>
-            </a:r>
-            <a:r>
-              <a:rPr lang="en-US" sz="1400" spc="50" dirty="0" smtClean="0">
-                <a:ln w="13500">
-                  <a:solidFill>
-                    <a:schemeClr val="accent1">
-                      <a:shade val="2500"/>
-                      <a:alpha val="6500"/>
-                    </a:schemeClr>
-                  </a:solidFill>
-                  <a:prstDash val="solid"/>
-                </a:ln>
-                <a:solidFill>
-                  <a:schemeClr val="tx1">
-                    <a:lumMod val="50000"/>
-                    <a:lumOff val="50000"/>
-                  </a:schemeClr>
-                </a:solidFill>
-                <a:effectLst>
-                  <a:innerShdw blurRad="50900" dist="38500" dir="13500000">
-                    <a:srgbClr val="000000">
-                      <a:alpha val="60000"/>
-                    </a:srgbClr>
-                  </a:innerShdw>
-                </a:effectLst>
-                <a:latin typeface="Lato Regular"/>
-                <a:cs typeface="Lato Regular"/>
-              </a:rPr>
-              <a:t>Vienna, Austria</a:t>
-            </a:r>
-            <a:endParaRPr lang="en-US" sz="1400" spc="50" dirty="0" smtClean="0">
-              <a:ln w="13500">
-                <a:solidFill>
-                  <a:schemeClr val="accent1">
-                    <a:shade val="2500"/>
-                    <a:alpha val="6500"/>
-                  </a:schemeClr>
-                </a:solidFill>
-                <a:prstDash val="solid"/>
-              </a:ln>
-              <a:solidFill>
-                <a:schemeClr val="tx1">
-                  <a:lumMod val="50000"/>
-                  <a:lumOff val="50000"/>
-                </a:schemeClr>
-              </a:solidFill>
-              <a:effectLst>
-                <a:innerShdw blurRad="50900" dist="38500" dir="13500000">
-                  <a:srgbClr val="000000">
-                    <a:alpha val="60000"/>
-                  </a:srgbClr>
-                </a:innerShdw>
-              </a:effectLst>
-              <a:latin typeface="Lato Regular"/>
-              <a:cs typeface="Lato Regular"/>
-            </a:endParaRPr>
+              <a:t>April 11th, 2016 - Vienna, Austria</a:t>
+            </a:r>
           </a:p>
           <a:p>
             <a:pPr lvl="0" algn="ctr"/>
@@ -4757,14 +4478,7 @@
                 <a:latin typeface="Lato Regular"/>
                 <a:cs typeface="Lato Regular"/>
               </a:rPr>
-              <a:t>April</a:t>
-            </a:r>
-            <a:r>
-              <a:rPr lang="en-US" sz="1100" dirty="0" smtClean="0">
-                <a:latin typeface="Lato Regular"/>
-                <a:cs typeface="Lato Regular"/>
-              </a:rPr>
-              <a:t> 11</a:t>
+              <a:t>April 11</a:t>
             </a:r>
             <a:r>
               <a:rPr lang="en-US" sz="1100" baseline="30000" dirty="0" smtClean="0">
@@ -5063,21 +4777,7 @@
                   <a:latin typeface="Lato Regular"/>
                   <a:cs typeface="Lato Regular"/>
                 </a:rPr>
-                <a:t>(Stony Brook University</a:t>
-              </a:r>
-              <a:r>
-                <a:rPr lang="en-US" sz="900" dirty="0" smtClean="0">
-                  <a:latin typeface="Lato Regular"/>
-                  <a:cs typeface="Lato Regular"/>
-                </a:rPr>
-                <a:t>, USA</a:t>
-              </a:r>
-              <a:r>
-                <a:rPr lang="en-US" sz="900" dirty="0" smtClean="0">
-                  <a:latin typeface="Lato Regular"/>
-                  <a:cs typeface="Lato Regular"/>
-                </a:rPr>
-                <a:t>)</a:t>
+                <a:t>(Stony Brook University, USA)</a:t>
               </a:r>
             </a:p>
             <a:p>
@@ -5282,14 +4982,7 @@
                   <a:latin typeface="Lato Regular"/>
                   <a:cs typeface="Lato Regular"/>
                 </a:rPr>
-                <a:t>TU Wien</a:t>
-              </a:r>
-              <a:r>
-                <a:rPr lang="en-US" sz="900" dirty="0" smtClean="0">
-                  <a:latin typeface="Lato Regular"/>
-                  <a:cs typeface="Lato Regular"/>
-                </a:rPr>
-                <a:t>, Austria)</a:t>
+                <a:t>TU Wien, Austria)</a:t>
               </a:r>
               <a:endParaRPr lang="en-US" sz="900" dirty="0">
                 <a:latin typeface="Lato Regular"/>
@@ -5380,21 +5073,7 @@
                   <a:latin typeface="Lato Regular"/>
                   <a:cs typeface="Lato Regular"/>
                 </a:rPr>
-                <a:t>University of </a:t>
-              </a:r>
-              <a:r>
-                <a:rPr lang="en-US" sz="900" dirty="0" smtClean="0">
-                  <a:latin typeface="Lato Regular"/>
-                  <a:cs typeface="Lato Regular"/>
-                </a:rPr>
-                <a:t>Trieste</a:t>
-              </a:r>
-              <a:r>
-                <a:rPr lang="en-US" sz="900" dirty="0" smtClean="0">
-                  <a:latin typeface="Lato Regular"/>
-                  <a:cs typeface="Lato Regular"/>
-                </a:rPr>
-                <a:t>, Italy</a:t>
+                <a:t>University of Trieste, Italy</a:t>
               </a:r>
             </a:p>
             <a:p>
@@ -5418,25 +5097,73 @@
                 </a:rPr>
                 <a:t> H. Fenton</a:t>
               </a:r>
-              <a:endParaRPr lang="en-US" sz="1000" b="1" dirty="0" smtClean="0">
+            </a:p>
+            <a:p>
+              <a:r>
+                <a:rPr lang="en-US" sz="900" dirty="0" smtClean="0">
+                  <a:latin typeface="Lato Regular"/>
+                  <a:cs typeface="Lato Regular"/>
+                </a:rPr>
+                <a:t>(</a:t>
+              </a:r>
+              <a:r>
+                <a:rPr lang="en-US" sz="900" dirty="0" err="1" smtClean="0">
+                  <a:latin typeface="Lato Regular"/>
+                  <a:cs typeface="Lato Regular"/>
+                </a:rPr>
+                <a:t>GeorgiaTech</a:t>
+              </a:r>
+              <a:r>
+                <a:rPr lang="en-US" sz="900" dirty="0" smtClean="0">
+                  <a:latin typeface="Lato Regular"/>
+                  <a:cs typeface="Lato Regular"/>
+                </a:rPr>
+                <a:t>, USA)</a:t>
+              </a:r>
+            </a:p>
+            <a:p>
+              <a:endParaRPr lang="en-US" sz="700" dirty="0" smtClean="0">
                 <a:latin typeface="Lato Regular"/>
                 <a:cs typeface="Lato Regular"/>
               </a:endParaRPr>
             </a:p>
             <a:p>
               <a:r>
+                <a:rPr lang="en-US" sz="1000" b="1" dirty="0" smtClean="0">
+                  <a:latin typeface="Lato Regular"/>
+                  <a:cs typeface="Lato Regular"/>
+                </a:rPr>
+                <a:t>Martin </a:t>
+              </a:r>
+              <a:r>
+                <a:rPr lang="en-US" sz="1000" b="1" dirty="0" err="1" smtClean="0">
+                  <a:latin typeface="Lato Regular"/>
+                  <a:cs typeface="Lato Regular"/>
+                </a:rPr>
+                <a:t>Leucker</a:t>
+              </a:r>
+              <a:r>
+                <a:rPr lang="en-US" sz="1000" b="1" dirty="0" smtClean="0">
+                  <a:latin typeface="Lato Regular"/>
+                  <a:cs typeface="Lato Regular"/>
+                </a:rPr>
+                <a:t>  (co-Chair)</a:t>
+              </a:r>
+            </a:p>
+            <a:p>
+              <a:r>
                 <a:rPr lang="en-US" sz="900" dirty="0" smtClean="0">
                   <a:latin typeface="Lato Regular"/>
                   <a:cs typeface="Lato Regular"/>
                 </a:rPr>
-                <a:t>(</a:t>
+                <a:t>(University of </a:t>
               </a:r>
               <a:r>
                 <a:rPr lang="en-US" sz="900" dirty="0" err="1" smtClean="0">
                   <a:latin typeface="Lato Regular"/>
                   <a:cs typeface="Lato Regular"/>
                 </a:rPr>
-                <a:t>GeorgiaTech</a:t>
+                <a:t>Lübeck</a:t>
               </a:r>
               <a:r>
                 <a:rPr lang="en-US" sz="900" dirty="0" smtClean="0">
@@ -5458,28 +5185,7 @@
                   <a:latin typeface="Lato Regular"/>
                   <a:cs typeface="Lato Regular"/>
                 </a:rPr>
-                <a:t>Martin </a:t>
-              </a:r>
-              <a:r>
-                <a:rPr lang="en-US" sz="1000" b="1" dirty="0" err="1" smtClean="0">
-                  <a:latin typeface="Lato Regular"/>
-                  <a:cs typeface="Lato Regular"/>
-                </a:rPr>
-                <a:t>Leucker</a:t>
-              </a:r>
-              <a:r>
-                <a:rPr lang="en-US" sz="1000" b="1" dirty="0" smtClean="0">
-                  <a:latin typeface="Lato Regular"/>
-                  <a:cs typeface="Lato Regular"/>
-                </a:rPr>
-                <a:t> </a:t>
-              </a:r>
-              <a:r>
-                <a:rPr lang="en-US" sz="1000" b="1" dirty="0" smtClean="0">
-                  <a:latin typeface="Lato Regular"/>
-                  <a:cs typeface="Lato Regular"/>
-                </a:rPr>
-                <a:t> (co-Chair)</a:t>
+                <a:t>Philip T Moore</a:t>
               </a:r>
             </a:p>
             <a:p>
@@ -5488,28 +5194,7 @@
                   <a:latin typeface="Lato Regular"/>
                   <a:cs typeface="Lato Regular"/>
                 </a:rPr>
-                <a:t>(University of </a:t>
-              </a:r>
-              <a:r>
-                <a:rPr lang="en-US" sz="900" dirty="0" err="1" smtClean="0">
-                  <a:latin typeface="Lato Regular"/>
-                  <a:cs typeface="Lato Regular"/>
-                </a:rPr>
-                <a:t>L</a:t>
-              </a:r>
-              <a:r>
-                <a:rPr lang="en-US" sz="900" dirty="0" err="1" smtClean="0">
-                  <a:latin typeface="Lato Regular"/>
-                  <a:cs typeface="Lato Regular"/>
-                </a:rPr>
-                <a:t>übeck</a:t>
-              </a:r>
-              <a:r>
-                <a:rPr lang="en-US" sz="900" dirty="0" smtClean="0">
-                  <a:latin typeface="Lato Regular"/>
-                  <a:cs typeface="Lato Regular"/>
-                </a:rPr>
-                <a:t>, USA)</a:t>
+                <a:t>(Lanzhou University, China)</a:t>
               </a:r>
             </a:p>
             <a:p>
@@ -5524,7 +5209,14 @@
                   <a:latin typeface="Lato Regular"/>
                   <a:cs typeface="Lato Regular"/>
                 </a:rPr>
-                <a:t>Philip T Moore</a:t>
+                <a:t>Nicola </a:t>
+              </a:r>
+              <a:r>
+                <a:rPr lang="en-US" sz="1000" b="1" dirty="0" err="1" smtClean="0">
+                  <a:latin typeface="Lato Regular"/>
+                  <a:cs typeface="Lato Regular"/>
+                </a:rPr>
+                <a:t>Paoletti</a:t>
               </a:r>
               <a:endParaRPr lang="en-US" sz="1000" b="1" dirty="0" smtClean="0">
                 <a:latin typeface="Lato Regular"/>
@@ -5537,7 +5229,7 @@
                   <a:latin typeface="Lato Regular"/>
                   <a:cs typeface="Lato Regular"/>
                 </a:rPr>
-                <a:t>(Lanzhou University, China)</a:t>
+                <a:t>(University of Oxford, USA)</a:t>
               </a:r>
             </a:p>
             <a:p>
@@ -5552,14 +5244,14 @@
                   <a:latin typeface="Lato Regular"/>
                   <a:cs typeface="Lato Regular"/>
                 </a:rPr>
-                <a:t>Nicola </a:t>
+                <a:t>Guido </a:t>
               </a:r>
               <a:r>
                 <a:rPr lang="en-US" sz="1000" b="1" dirty="0" err="1" smtClean="0">
                   <a:latin typeface="Lato Regular"/>
                   <a:cs typeface="Lato Regular"/>
                 </a:rPr>
-                <a:t>Paoletti</a:t>
+                <a:t>Sanguinetti</a:t>
               </a:r>
               <a:endParaRPr lang="en-US" sz="1000" b="1" dirty="0" smtClean="0">
                 <a:latin typeface="Lato Regular"/>
@@ -5572,7 +5264,7 @@
                   <a:latin typeface="Lato Regular"/>
                   <a:cs typeface="Lato Regular"/>
                 </a:rPr>
-                <a:t>(University of Oxford, USA)</a:t>
+                <a:t>(University of Edinburgh, UK)</a:t>
               </a:r>
             </a:p>
             <a:p>
@@ -5587,14 +5279,14 @@
                   <a:latin typeface="Lato Regular"/>
                   <a:cs typeface="Lato Regular"/>
                 </a:rPr>
-                <a:t>Guido </a:t>
+                <a:t>Scott A. </a:t>
               </a:r>
               <a:r>
                 <a:rPr lang="en-US" sz="1000" b="1" dirty="0" err="1" smtClean="0">
                   <a:latin typeface="Lato Regular"/>
                   <a:cs typeface="Lato Regular"/>
                 </a:rPr>
-                <a:t>Sanguinetti</a:t>
+                <a:t>Smolka</a:t>
               </a:r>
               <a:endParaRPr lang="en-US" sz="1000" b="1" dirty="0" smtClean="0">
                 <a:latin typeface="Lato Regular"/>
@@ -5607,11 +5299,11 @@
                   <a:latin typeface="Lato Regular"/>
                   <a:cs typeface="Lato Regular"/>
                 </a:rPr>
-                <a:t>(University of Edinburgh, UK)</a:t>
+                <a:t>(Stony Brook University, USA)</a:t>
               </a:r>
             </a:p>
             <a:p>
-              <a:endParaRPr lang="en-US" sz="700" dirty="0" smtClean="0">
+              <a:endParaRPr lang="en-US" sz="700" b="1" dirty="0" smtClean="0">
                 <a:latin typeface="Lato Regular"/>
                 <a:cs typeface="Lato Regular"/>
               </a:endParaRPr>
@@ -5622,14 +5314,14 @@
                   <a:latin typeface="Lato Regular"/>
                   <a:cs typeface="Lato Regular"/>
                 </a:rPr>
-                <a:t>Scott A. </a:t>
+                <a:t>Oleg </a:t>
               </a:r>
               <a:r>
                 <a:rPr lang="en-US" sz="1000" b="1" dirty="0" err="1" smtClean="0">
                   <a:latin typeface="Lato Regular"/>
                   <a:cs typeface="Lato Regular"/>
                 </a:rPr>
-                <a:t>Smolka</a:t>
+                <a:t>Sokolosky</a:t>
               </a:r>
               <a:endParaRPr lang="en-US" sz="1000" b="1" dirty="0" smtClean="0">
                 <a:latin typeface="Lato Regular"/>
@@ -5642,11 +5334,25 @@
                   <a:latin typeface="Lato Regular"/>
                   <a:cs typeface="Lato Regular"/>
                 </a:rPr>
-                <a:t>(Stony Brook University, USA)</a:t>
+                <a:t>(</a:t>
+              </a:r>
+              <a:r>
+                <a:rPr lang="en-US" sz="900" dirty="0" err="1" smtClean="0">
+                  <a:latin typeface="Lato Regular"/>
+                  <a:cs typeface="Lato Regular"/>
+                </a:rPr>
+                <a:t>UPenn</a:t>
+              </a:r>
+              <a:r>
+                <a:rPr lang="en-US" sz="900" dirty="0" smtClean="0">
+                  <a:latin typeface="Lato Regular"/>
+                  <a:cs typeface="Lato Regular"/>
+                </a:rPr>
+                <a:t>, USA)</a:t>
               </a:r>
             </a:p>
             <a:p>
-              <a:endParaRPr lang="en-US" sz="700" b="1" dirty="0" smtClean="0">
+              <a:endParaRPr lang="en-US" sz="700" dirty="0">
                 <a:latin typeface="Lato Regular"/>
                 <a:cs typeface="Lato Regular"/>
               </a:endParaRPr>
@@ -5657,14 +5363,14 @@
                   <a:latin typeface="Lato Regular"/>
                   <a:cs typeface="Lato Regular"/>
                 </a:rPr>
-                <a:t>Oleg </a:t>
+                <a:t>Volker </a:t>
               </a:r>
               <a:r>
                 <a:rPr lang="en-US" sz="1000" b="1" dirty="0" err="1" smtClean="0">
                   <a:latin typeface="Lato Regular"/>
                   <a:cs typeface="Lato Regular"/>
                 </a:rPr>
-                <a:t>Sokolosky</a:t>
+                <a:t>Turau</a:t>
               </a:r>
               <a:endParaRPr lang="en-US" sz="1000" b="1" dirty="0" smtClean="0">
                 <a:latin typeface="Lato Regular"/>
@@ -5680,68 +5386,23 @@
                 <a:t>(</a:t>
               </a:r>
               <a:r>
-                <a:rPr lang="en-US" sz="900" dirty="0" err="1" smtClean="0">
-                  <a:latin typeface="Lato Regular"/>
-                  <a:cs typeface="Lato Regular"/>
-                </a:rPr>
-                <a:t>UPenn</a:t>
-              </a:r>
-              <a:r>
                 <a:rPr lang="en-US" sz="900" dirty="0" smtClean="0">
                   <a:latin typeface="Lato Regular"/>
                   <a:cs typeface="Lato Regular"/>
                 </a:rPr>
-                <a:t>, USA)</a:t>
-              </a:r>
-            </a:p>
-            <a:p>
-              <a:endParaRPr lang="en-US" sz="700" dirty="0">
+                <a:t>TU Hamburg</a:t>
+              </a:r>
+              <a:r>
+                <a:rPr lang="en-US" sz="900" smtClean="0">
+                  <a:latin typeface="Lato Regular"/>
+                  <a:cs typeface="Lato Regular"/>
+                </a:rPr>
+                <a:t>, Germany)</a:t>
+              </a:r>
+              <a:endParaRPr lang="en-US" sz="900" dirty="0" smtClean="0">
                 <a:latin typeface="Lato Regular"/>
                 <a:cs typeface="Lato Regular"/>
               </a:endParaRPr>
-            </a:p>
-            <a:p>
-              <a:r>
-                <a:rPr lang="en-US" sz="1000" b="1" dirty="0" smtClean="0">
-                  <a:latin typeface="Lato Regular"/>
-                  <a:cs typeface="Lato Regular"/>
-                </a:rPr>
-                <a:t>Volker </a:t>
-              </a:r>
-              <a:r>
-                <a:rPr lang="en-US" sz="1000" b="1" dirty="0" err="1" smtClean="0">
-                  <a:latin typeface="Lato Regular"/>
-                  <a:cs typeface="Lato Regular"/>
-                </a:rPr>
-                <a:t>Turau</a:t>
-              </a:r>
-              <a:endParaRPr lang="en-US" sz="1000" b="1" dirty="0" smtClean="0">
-                <a:latin typeface="Lato Regular"/>
-                <a:cs typeface="Lato Regular"/>
-              </a:endParaRPr>
-            </a:p>
-            <a:p>
-              <a:r>
-                <a:rPr lang="en-US" sz="900" dirty="0" smtClean="0">
-                  <a:latin typeface="Lato Regular"/>
-                  <a:cs typeface="Lato Regular"/>
-                </a:rPr>
-                <a:t>(</a:t>
-              </a:r>
-              <a:r>
-                <a:rPr lang="en-US" sz="900" dirty="0" err="1" smtClean="0">
-                  <a:latin typeface="Lato Regular"/>
-                  <a:cs typeface="Lato Regular"/>
-                </a:rPr>
-                <a:t>UPenn</a:t>
-              </a:r>
-              <a:r>
-                <a:rPr lang="en-US" sz="900" dirty="0" smtClean="0">
-                  <a:latin typeface="Lato Regular"/>
-                  <a:cs typeface="Lato Regular"/>
-                </a:rPr>
-                <a:t>, USA)</a:t>
-              </a:r>
             </a:p>
             <a:p>
               <a:endParaRPr lang="en-US" sz="700" dirty="0">
